--- a/UGNM_Instantmessaging/doc/Logo.pptx
+++ b/UGNM_Instantmessaging/doc/Logo.pptx
@@ -195,7 +195,7 @@
             <a:fld id="{6E8E338F-E438-4057-97D6-C6E52E3C7CA5}" type="datetimeFigureOut">
               <a:rPr lang="en-US" smtClean="0"/>
               <a:pPr/>
-              <a:t>1/28/2015</a:t>
+              <a:t>2/2/2015</a:t>
             </a:fld>
             <a:endParaRPr lang="en-US"/>
           </a:p>
@@ -646,7 +646,7 @@
             <a:fld id="{8656E658-57DB-49A9-93AF-3E10955E1EF4}" type="datetimeFigureOut">
               <a:rPr lang="en-US" smtClean="0"/>
               <a:pPr/>
-              <a:t>1/28/2015</a:t>
+              <a:t>2/2/2015</a:t>
             </a:fld>
             <a:endParaRPr lang="en-US"/>
           </a:p>
@@ -818,7 +818,7 @@
             <a:fld id="{8656E658-57DB-49A9-93AF-3E10955E1EF4}" type="datetimeFigureOut">
               <a:rPr lang="en-US" smtClean="0"/>
               <a:pPr/>
-              <a:t>1/28/2015</a:t>
+              <a:t>2/2/2015</a:t>
             </a:fld>
             <a:endParaRPr lang="en-US"/>
           </a:p>
@@ -1000,7 +1000,7 @@
             <a:fld id="{8656E658-57DB-49A9-93AF-3E10955E1EF4}" type="datetimeFigureOut">
               <a:rPr lang="en-US" smtClean="0"/>
               <a:pPr/>
-              <a:t>1/28/2015</a:t>
+              <a:t>2/2/2015</a:t>
             </a:fld>
             <a:endParaRPr lang="en-US"/>
           </a:p>
@@ -1244,7 +1244,7 @@
             <a:fld id="{9A7DB058-1C9E-4AA1-A0E3-EFB6993DD3AF}" type="datetime1">
               <a:rPr lang="en-US" smtClean="0"/>
               <a:pPr/>
-              <a:t>1/28/2015</a:t>
+              <a:t>2/2/2015</a:t>
             </a:fld>
             <a:endParaRPr lang="en-US"/>
           </a:p>
@@ -1416,7 +1416,7 @@
             <a:fld id="{15532BE9-2482-4E94-887C-98DAE48F6059}" type="datetime1">
               <a:rPr lang="en-US" smtClean="0"/>
               <a:pPr/>
-              <a:t>1/28/2015</a:t>
+              <a:t>2/2/2015</a:t>
             </a:fld>
             <a:endParaRPr lang="en-US"/>
           </a:p>
@@ -1664,7 +1664,7 @@
             <a:fld id="{E3C8ABFA-F2CF-43CE-A953-8E0A3621F24B}" type="datetime1">
               <a:rPr lang="en-US" smtClean="0"/>
               <a:pPr/>
-              <a:t>1/28/2015</a:t>
+              <a:t>2/2/2015</a:t>
             </a:fld>
             <a:endParaRPr lang="en-US"/>
           </a:p>
@@ -1954,7 +1954,7 @@
             <a:fld id="{DF42DBA0-2F8C-48BC-9D1A-28601BA413ED}" type="datetime1">
               <a:rPr lang="en-US" smtClean="0"/>
               <a:pPr/>
-              <a:t>1/28/2015</a:t>
+              <a:t>2/2/2015</a:t>
             </a:fld>
             <a:endParaRPr lang="en-US"/>
           </a:p>
@@ -2378,7 +2378,7 @@
             <a:fld id="{26AA8EDE-1C1B-42E8-8BB0-9808FDB3D651}" type="datetime1">
               <a:rPr lang="en-US" smtClean="0"/>
               <a:pPr/>
-              <a:t>1/28/2015</a:t>
+              <a:t>2/2/2015</a:t>
             </a:fld>
             <a:endParaRPr lang="en-US"/>
           </a:p>
@@ -2498,7 +2498,7 @@
             <a:fld id="{9A715179-66D7-45FE-884E-1B7F581A0131}" type="datetime1">
               <a:rPr lang="en-US" smtClean="0"/>
               <a:pPr/>
-              <a:t>1/28/2015</a:t>
+              <a:t>2/2/2015</a:t>
             </a:fld>
             <a:endParaRPr lang="en-US"/>
           </a:p>
@@ -2595,7 +2595,7 @@
             <a:fld id="{A30ABAB4-6C67-4D55-B78F-361D2B00DD49}" type="datetime1">
               <a:rPr lang="en-US" smtClean="0"/>
               <a:pPr/>
-              <a:t>1/28/2015</a:t>
+              <a:t>2/2/2015</a:t>
             </a:fld>
             <a:endParaRPr lang="en-US"/>
           </a:p>
@@ -2874,7 +2874,7 @@
             <a:fld id="{44C80207-81A2-4ECA-9E35-B7D7942BDA75}" type="datetime1">
               <a:rPr lang="en-US" smtClean="0"/>
               <a:pPr/>
-              <a:t>1/28/2015</a:t>
+              <a:t>2/2/2015</a:t>
             </a:fld>
             <a:endParaRPr lang="en-US"/>
           </a:p>
@@ -3046,7 +3046,7 @@
             <a:fld id="{8656E658-57DB-49A9-93AF-3E10955E1EF4}" type="datetimeFigureOut">
               <a:rPr lang="en-US" smtClean="0"/>
               <a:pPr/>
-              <a:t>1/28/2015</a:t>
+              <a:t>2/2/2015</a:t>
             </a:fld>
             <a:endParaRPr lang="en-US"/>
           </a:p>
@@ -3301,7 +3301,7 @@
             <a:fld id="{C010167A-CEA6-402F-ABFF-ADA41F47BE7F}" type="datetime1">
               <a:rPr lang="en-US" smtClean="0"/>
               <a:pPr/>
-              <a:t>1/28/2015</a:t>
+              <a:t>2/2/2015</a:t>
             </a:fld>
             <a:endParaRPr lang="en-US"/>
           </a:p>
@@ -3473,7 +3473,7 @@
             <a:fld id="{2CA98FC9-BE86-410F-8084-C54DE4B8D910}" type="datetime1">
               <a:rPr lang="en-US" smtClean="0"/>
               <a:pPr/>
-              <a:t>1/28/2015</a:t>
+              <a:t>2/2/2015</a:t>
             </a:fld>
             <a:endParaRPr lang="en-US"/>
           </a:p>
@@ -3655,7 +3655,7 @@
             <a:fld id="{4293A5AA-6E0E-4BAC-91BE-0538EC96F2EE}" type="datetime1">
               <a:rPr lang="en-US" smtClean="0"/>
               <a:pPr/>
-              <a:t>1/28/2015</a:t>
+              <a:t>2/2/2015</a:t>
             </a:fld>
             <a:endParaRPr lang="en-US"/>
           </a:p>
@@ -4186,7 +4186,7 @@
             <a:fld id="{ECAF37CB-852E-4BCD-B629-9C1A9E268A44}" type="datetime1">
               <a:rPr lang="en-US" smtClean="0"/>
               <a:pPr/>
-              <a:t>1/28/2015</a:t>
+              <a:t>2/2/2015</a:t>
             </a:fld>
             <a:endParaRPr lang="en-US"/>
           </a:p>
@@ -4452,7 +4452,7 @@
             <a:fld id="{9A2BEB48-070E-457F-8B84-573E799B65E8}" type="datetime1">
               <a:rPr lang="en-US" smtClean="0"/>
               <a:pPr/>
-              <a:t>1/28/2015</a:t>
+              <a:t>2/2/2015</a:t>
             </a:fld>
             <a:endParaRPr lang="en-US" dirty="0"/>
           </a:p>
@@ -5090,7 +5090,7 @@
             <a:fld id="{BF486270-9B10-4CA4-AB22-12690F42E547}" type="datetime1">
               <a:rPr lang="en-US" smtClean="0"/>
               <a:pPr/>
-              <a:t>1/28/2015</a:t>
+              <a:t>2/2/2015</a:t>
             </a:fld>
             <a:endParaRPr lang="en-US"/>
           </a:p>
@@ -5352,7 +5352,7 @@
             <a:fld id="{80406510-A826-4518-A842-8EE277040918}" type="datetime1">
               <a:rPr lang="en-US" smtClean="0"/>
               <a:pPr/>
-              <a:t>1/28/2015</a:t>
+              <a:t>2/2/2015</a:t>
             </a:fld>
             <a:endParaRPr lang="en-US"/>
           </a:p>
@@ -5842,7 +5842,7 @@
             <a:fld id="{8A79C66B-7443-4FF3-A7A1-2CB7133EFEB1}" type="datetime1">
               <a:rPr lang="en-US" smtClean="0"/>
               <a:pPr/>
-              <a:t>1/28/2015</a:t>
+              <a:t>2/2/2015</a:t>
             </a:fld>
             <a:endParaRPr lang="en-US"/>
           </a:p>
@@ -5957,7 +5957,7 @@
             <a:fld id="{6D0EFFEA-9876-41CF-9550-C740B2DB6026}" type="datetime1">
               <a:rPr lang="en-US" smtClean="0"/>
               <a:pPr/>
-              <a:t>1/28/2015</a:t>
+              <a:t>2/2/2015</a:t>
             </a:fld>
             <a:endParaRPr lang="en-US"/>
           </a:p>
@@ -6049,7 +6049,7 @@
             <a:fld id="{7477BF9D-886E-4E15-9A58-F7D029734E65}" type="datetime1">
               <a:rPr lang="en-US" smtClean="0"/>
               <a:pPr/>
-              <a:t>1/28/2015</a:t>
+              <a:t>2/2/2015</a:t>
             </a:fld>
             <a:endParaRPr lang="en-US"/>
           </a:p>
@@ -6292,7 +6292,7 @@
             <a:fld id="{8656E658-57DB-49A9-93AF-3E10955E1EF4}" type="datetimeFigureOut">
               <a:rPr lang="en-US" smtClean="0"/>
               <a:pPr/>
-              <a:t>1/28/2015</a:t>
+              <a:t>2/2/2015</a:t>
             </a:fld>
             <a:endParaRPr lang="en-US"/>
           </a:p>
@@ -6729,7 +6729,7 @@
             <a:fld id="{BADAC9D7-08FD-43A1-9AE3-21F5E91B5344}" type="datetime1">
               <a:rPr lang="en-US" smtClean="0"/>
               <a:pPr/>
-              <a:t>1/28/2015</a:t>
+              <a:t>2/2/2015</a:t>
             </a:fld>
             <a:endParaRPr lang="en-US"/>
           </a:p>
@@ -7264,7 +7264,7 @@
             <a:fld id="{D7B4E128-CC8F-4552-AB74-9DFB4CB3356C}" type="datetime1">
               <a:rPr lang="en-US" smtClean="0"/>
               <a:pPr/>
-              <a:t>1/28/2015</a:t>
+              <a:t>2/2/2015</a:t>
             </a:fld>
             <a:endParaRPr lang="en-US"/>
           </a:p>
@@ -7431,7 +7431,7 @@
             <a:fld id="{E79BF5FB-3285-471D-B01C-DFFE0BF01180}" type="datetime1">
               <a:rPr lang="en-US" smtClean="0"/>
               <a:pPr/>
-              <a:t>1/28/2015</a:t>
+              <a:t>2/2/2015</a:t>
             </a:fld>
             <a:endParaRPr lang="en-US"/>
           </a:p>
@@ -7608,7 +7608,7 @@
             <a:fld id="{DCDD5DFA-F4E3-47BC-873E-92E265B0A45E}" type="datetime1">
               <a:rPr lang="en-US" smtClean="0"/>
               <a:pPr/>
-              <a:t>1/28/2015</a:t>
+              <a:t>2/2/2015</a:t>
             </a:fld>
             <a:endParaRPr lang="en-US"/>
           </a:p>
@@ -7893,7 +7893,7 @@
             <a:fld id="{8656E658-57DB-49A9-93AF-3E10955E1EF4}" type="datetimeFigureOut">
               <a:rPr lang="en-US" smtClean="0"/>
               <a:pPr/>
-              <a:t>1/28/2015</a:t>
+              <a:t>2/2/2015</a:t>
             </a:fld>
             <a:endParaRPr lang="en-US"/>
           </a:p>
@@ -8317,7 +8317,7 @@
             <a:fld id="{8656E658-57DB-49A9-93AF-3E10955E1EF4}" type="datetimeFigureOut">
               <a:rPr lang="en-US" smtClean="0"/>
               <a:pPr/>
-              <a:t>1/28/2015</a:t>
+              <a:t>2/2/2015</a:t>
             </a:fld>
             <a:endParaRPr lang="en-US"/>
           </a:p>
@@ -8437,7 +8437,7 @@
             <a:fld id="{8656E658-57DB-49A9-93AF-3E10955E1EF4}" type="datetimeFigureOut">
               <a:rPr lang="en-US" smtClean="0"/>
               <a:pPr/>
-              <a:t>1/28/2015</a:t>
+              <a:t>2/2/2015</a:t>
             </a:fld>
             <a:endParaRPr lang="en-US"/>
           </a:p>
@@ -8534,7 +8534,7 @@
             <a:fld id="{8656E658-57DB-49A9-93AF-3E10955E1EF4}" type="datetimeFigureOut">
               <a:rPr lang="en-US" smtClean="0"/>
               <a:pPr/>
-              <a:t>1/28/2015</a:t>
+              <a:t>2/2/2015</a:t>
             </a:fld>
             <a:endParaRPr lang="en-US"/>
           </a:p>
@@ -8813,7 +8813,7 @@
             <a:fld id="{8656E658-57DB-49A9-93AF-3E10955E1EF4}" type="datetimeFigureOut">
               <a:rPr lang="en-US" smtClean="0"/>
               <a:pPr/>
-              <a:t>1/28/2015</a:t>
+              <a:t>2/2/2015</a:t>
             </a:fld>
             <a:endParaRPr lang="en-US"/>
           </a:p>
@@ -9068,7 +9068,7 @@
             <a:fld id="{8656E658-57DB-49A9-93AF-3E10955E1EF4}" type="datetimeFigureOut">
               <a:rPr lang="en-US" smtClean="0"/>
               <a:pPr/>
-              <a:t>1/28/2015</a:t>
+              <a:t>2/2/2015</a:t>
             </a:fld>
             <a:endParaRPr lang="en-US"/>
           </a:p>
@@ -9283,7 +9283,7 @@
             <a:fld id="{8656E658-57DB-49A9-93AF-3E10955E1EF4}" type="datetimeFigureOut">
               <a:rPr lang="en-US" smtClean="0"/>
               <a:pPr/>
-              <a:t>1/28/2015</a:t>
+              <a:t>2/2/2015</a:t>
             </a:fld>
             <a:endParaRPr lang="en-US"/>
           </a:p>
@@ -9802,7 +9802,7 @@
             <a:fld id="{0205894E-9A58-4504-AAB9-6580A5698760}" type="datetime1">
               <a:rPr lang="en-US" smtClean="0"/>
               <a:pPr/>
-              <a:t>1/28/2015</a:t>
+              <a:t>2/2/2015</a:t>
             </a:fld>
             <a:endParaRPr lang="en-US"/>
           </a:p>
@@ -10954,7 +10954,7 @@
             <a:fld id="{3F2C2D7C-1C33-46B4-8136-F6C21FAD83F1}" type="datetime1">
               <a:rPr lang="en-US" smtClean="0"/>
               <a:pPr/>
-              <a:t>1/28/2015</a:t>
+              <a:t>2/2/2015</a:t>
             </a:fld>
             <a:endParaRPr lang="en-US"/>
           </a:p>
@@ -11411,7 +11411,9 @@
             <a:avLst/>
           </a:prstGeom>
           <a:solidFill>
-            <a:schemeClr val="accent3"/>
+            <a:schemeClr val="accent6">
+              <a:lumMod val="75000"/>
+            </a:schemeClr>
           </a:solidFill>
           <a:ln>
             <a:noFill/>
@@ -11438,7 +11440,11 @@
           <a:lstStyle/>
           <a:p>
             <a:pPr algn="ctr"/>
-            <a:endParaRPr lang="en-US"/>
+            <a:endParaRPr lang="en-US">
+              <a:solidFill>
+                <a:srgbClr val="6600FF"/>
+              </a:solidFill>
+            </a:endParaRPr>
           </a:p>
         </p:txBody>
       </p:sp>
@@ -11457,7 +11463,7 @@
             <a:avLst/>
           </a:prstGeom>
           <a:solidFill>
-            <a:schemeClr val="accent2"/>
+            <a:srgbClr val="F9A703"/>
           </a:solidFill>
           <a:ln>
             <a:noFill/>
@@ -11503,7 +11509,9 @@
             <a:avLst/>
           </a:prstGeom>
           <a:solidFill>
-            <a:schemeClr val="accent3"/>
+            <a:schemeClr val="accent6">
+              <a:lumMod val="75000"/>
+            </a:schemeClr>
           </a:solidFill>
           <a:ln>
             <a:noFill/>
@@ -11530,7 +11538,11 @@
           <a:lstStyle/>
           <a:p>
             <a:pPr algn="ctr"/>
-            <a:endParaRPr lang="en-US"/>
+            <a:endParaRPr lang="en-US">
+              <a:solidFill>
+                <a:srgbClr val="6600FF"/>
+              </a:solidFill>
+            </a:endParaRPr>
           </a:p>
         </p:txBody>
       </p:sp>
@@ -11549,7 +11561,7 @@
             <a:avLst/>
           </a:prstGeom>
           <a:solidFill>
-            <a:schemeClr val="accent2"/>
+            <a:srgbClr val="F9A703"/>
           </a:solidFill>
           <a:ln>
             <a:noFill/>
@@ -11595,7 +11607,9 @@
             <a:avLst/>
           </a:prstGeom>
           <a:solidFill>
-            <a:schemeClr val="accent3"/>
+            <a:schemeClr val="accent6">
+              <a:lumMod val="75000"/>
+            </a:schemeClr>
           </a:solidFill>
           <a:ln>
             <a:noFill/>
@@ -11622,7 +11636,11 @@
           <a:lstStyle/>
           <a:p>
             <a:pPr algn="ctr"/>
-            <a:endParaRPr lang="en-US"/>
+            <a:endParaRPr lang="en-US">
+              <a:solidFill>
+                <a:srgbClr val="6600FF"/>
+              </a:solidFill>
+            </a:endParaRPr>
           </a:p>
         </p:txBody>
       </p:sp>
@@ -11641,7 +11659,7 @@
             <a:avLst/>
           </a:prstGeom>
           <a:solidFill>
-            <a:schemeClr val="accent2"/>
+            <a:srgbClr val="F9A703"/>
           </a:solidFill>
           <a:ln>
             <a:noFill/>
@@ -11687,7 +11705,9 @@
             <a:avLst/>
           </a:prstGeom>
           <a:solidFill>
-            <a:schemeClr val="accent3"/>
+            <a:schemeClr val="accent6">
+              <a:lumMod val="75000"/>
+            </a:schemeClr>
           </a:solidFill>
           <a:ln>
             <a:noFill/>
@@ -11714,7 +11734,11 @@
           <a:lstStyle/>
           <a:p>
             <a:pPr algn="ctr"/>
-            <a:endParaRPr lang="en-US"/>
+            <a:endParaRPr lang="en-US">
+              <a:solidFill>
+                <a:srgbClr val="6600FF"/>
+              </a:solidFill>
+            </a:endParaRPr>
           </a:p>
         </p:txBody>
       </p:sp>
@@ -11733,7 +11757,7 @@
             <a:avLst/>
           </a:prstGeom>
           <a:solidFill>
-            <a:schemeClr val="accent2"/>
+            <a:srgbClr val="F9A703"/>
           </a:solidFill>
           <a:ln>
             <a:noFill/>
@@ -11779,7 +11803,7 @@
             <a:avLst/>
           </a:prstGeom>
           <a:solidFill>
-            <a:schemeClr val="accent2"/>
+            <a:srgbClr val="F9A703"/>
           </a:solidFill>
           <a:ln>
             <a:noFill/>
@@ -11825,7 +11849,9 @@
             <a:avLst/>
           </a:prstGeom>
           <a:solidFill>
-            <a:schemeClr val="accent3"/>
+            <a:schemeClr val="accent6">
+              <a:lumMod val="75000"/>
+            </a:schemeClr>
           </a:solidFill>
           <a:ln>
             <a:noFill/>
@@ -11852,7 +11878,11 @@
           <a:lstStyle/>
           <a:p>
             <a:pPr algn="ctr"/>
-            <a:endParaRPr lang="en-US"/>
+            <a:endParaRPr lang="en-US">
+              <a:solidFill>
+                <a:srgbClr val="6600FF"/>
+              </a:solidFill>
+            </a:endParaRPr>
           </a:p>
         </p:txBody>
       </p:sp>

--- a/UGNM_Instantmessaging/doc/Logo.pptx
+++ b/UGNM_Instantmessaging/doc/Logo.pptx
@@ -11396,542 +11396,557 @@
           </a:p>
         </p:txBody>
       </p:sp>
-      <p:sp>
-        <p:nvSpPr>
-          <p:cNvPr id="5" name="Rectangle 4"/>
-          <p:cNvSpPr/>
+      <p:grpSp>
+        <p:nvGrpSpPr>
+          <p:cNvPr id="17" name="Group 16"/>
+          <p:cNvGrpSpPr/>
           <p:nvPr/>
-        </p:nvSpPr>
-        <p:spPr>
-          <a:xfrm>
-            <a:off x="3769970" y="2924944"/>
-            <a:ext cx="432048" cy="1440160"/>
-          </a:xfrm>
-          <a:prstGeom prst="rect">
-            <a:avLst/>
-          </a:prstGeom>
-          <a:solidFill>
-            <a:schemeClr val="accent6">
-              <a:lumMod val="75000"/>
-            </a:schemeClr>
-          </a:solidFill>
-          <a:ln>
-            <a:noFill/>
-          </a:ln>
-        </p:spPr>
-        <p:style>
-          <a:lnRef idx="2">
-            <a:schemeClr val="accent1">
-              <a:shade val="50000"/>
-            </a:schemeClr>
-          </a:lnRef>
-          <a:fillRef idx="1">
-            <a:schemeClr val="accent1"/>
-          </a:fillRef>
-          <a:effectRef idx="0">
-            <a:schemeClr val="accent1"/>
-          </a:effectRef>
-          <a:fontRef idx="minor">
-            <a:schemeClr val="lt1"/>
-          </a:fontRef>
-        </p:style>
-        <p:txBody>
-          <a:bodyPr rtlCol="0" anchor="ctr"/>
-          <a:lstStyle/>
-          <a:p>
-            <a:pPr algn="ctr"/>
-            <a:endParaRPr lang="en-US">
-              <a:solidFill>
-                <a:srgbClr val="6600FF"/>
-              </a:solidFill>
-            </a:endParaRPr>
-          </a:p>
-        </p:txBody>
-      </p:sp>
-      <p:sp>
-        <p:nvSpPr>
-          <p:cNvPr id="6" name="Rectangle 5"/>
-          <p:cNvSpPr/>
-          <p:nvPr/>
-        </p:nvSpPr>
-        <p:spPr>
-          <a:xfrm>
-            <a:off x="5066114" y="2924944"/>
-            <a:ext cx="432048" cy="1440160"/>
-          </a:xfrm>
-          <a:prstGeom prst="rect">
-            <a:avLst/>
-          </a:prstGeom>
-          <a:solidFill>
-            <a:srgbClr val="F9A703"/>
-          </a:solidFill>
-          <a:ln>
-            <a:noFill/>
-          </a:ln>
-        </p:spPr>
-        <p:style>
-          <a:lnRef idx="2">
-            <a:schemeClr val="accent1">
-              <a:shade val="50000"/>
-            </a:schemeClr>
-          </a:lnRef>
-          <a:fillRef idx="1">
-            <a:schemeClr val="accent1"/>
-          </a:fillRef>
-          <a:effectRef idx="0">
-            <a:schemeClr val="accent1"/>
-          </a:effectRef>
-          <a:fontRef idx="minor">
-            <a:schemeClr val="lt1"/>
-          </a:fontRef>
-        </p:style>
-        <p:txBody>
-          <a:bodyPr rtlCol="0" anchor="ctr"/>
-          <a:lstStyle/>
-          <a:p>
-            <a:pPr algn="ctr"/>
-            <a:endParaRPr lang="en-US"/>
-          </a:p>
-        </p:txBody>
-      </p:sp>
-      <p:sp>
-        <p:nvSpPr>
-          <p:cNvPr id="7" name="Rectangle 6"/>
-          <p:cNvSpPr/>
-          <p:nvPr/>
-        </p:nvSpPr>
-        <p:spPr>
-          <a:xfrm>
-            <a:off x="4202058" y="3789040"/>
-            <a:ext cx="864056" cy="360040"/>
-          </a:xfrm>
-          <a:prstGeom prst="rect">
-            <a:avLst/>
-          </a:prstGeom>
-          <a:solidFill>
-            <a:schemeClr val="accent6">
-              <a:lumMod val="75000"/>
-            </a:schemeClr>
-          </a:solidFill>
-          <a:ln>
-            <a:noFill/>
-          </a:ln>
-        </p:spPr>
-        <p:style>
-          <a:lnRef idx="2">
-            <a:schemeClr val="accent1">
-              <a:shade val="50000"/>
-            </a:schemeClr>
-          </a:lnRef>
-          <a:fillRef idx="1">
-            <a:schemeClr val="accent1"/>
-          </a:fillRef>
-          <a:effectRef idx="0">
-            <a:schemeClr val="accent1"/>
-          </a:effectRef>
-          <a:fontRef idx="minor">
-            <a:schemeClr val="lt1"/>
-          </a:fontRef>
-        </p:style>
-        <p:txBody>
-          <a:bodyPr rtlCol="0" anchor="ctr"/>
-          <a:lstStyle/>
-          <a:p>
-            <a:pPr algn="ctr"/>
-            <a:endParaRPr lang="en-US">
-              <a:solidFill>
-                <a:srgbClr val="6600FF"/>
-              </a:solidFill>
-            </a:endParaRPr>
-          </a:p>
-        </p:txBody>
-      </p:sp>
-      <p:sp>
-        <p:nvSpPr>
-          <p:cNvPr id="8" name="Rectangle 7"/>
-          <p:cNvSpPr/>
-          <p:nvPr/>
-        </p:nvSpPr>
-        <p:spPr>
-          <a:xfrm>
-            <a:off x="4202058" y="3429000"/>
-            <a:ext cx="432027" cy="360040"/>
-          </a:xfrm>
-          <a:prstGeom prst="rect">
-            <a:avLst/>
-          </a:prstGeom>
-          <a:solidFill>
-            <a:srgbClr val="F9A703"/>
-          </a:solidFill>
-          <a:ln>
-            <a:noFill/>
-          </a:ln>
-        </p:spPr>
-        <p:style>
-          <a:lnRef idx="2">
-            <a:schemeClr val="accent1">
-              <a:shade val="50000"/>
-            </a:schemeClr>
-          </a:lnRef>
-          <a:fillRef idx="1">
-            <a:schemeClr val="accent1"/>
-          </a:fillRef>
-          <a:effectRef idx="0">
-            <a:schemeClr val="accent1"/>
-          </a:effectRef>
-          <a:fontRef idx="minor">
-            <a:schemeClr val="lt1"/>
-          </a:fontRef>
-        </p:style>
-        <p:txBody>
-          <a:bodyPr rtlCol="0" anchor="ctr"/>
-          <a:lstStyle/>
-          <a:p>
-            <a:pPr algn="ctr"/>
-            <a:endParaRPr lang="en-US"/>
-          </a:p>
-        </p:txBody>
-      </p:sp>
-      <p:sp>
-        <p:nvSpPr>
-          <p:cNvPr id="9" name="Rectangle 8"/>
-          <p:cNvSpPr/>
-          <p:nvPr/>
-        </p:nvSpPr>
-        <p:spPr>
-          <a:xfrm>
-            <a:off x="4609683" y="3429000"/>
-            <a:ext cx="456431" cy="360040"/>
-          </a:xfrm>
-          <a:prstGeom prst="rect">
-            <a:avLst/>
-          </a:prstGeom>
-          <a:solidFill>
-            <a:schemeClr val="accent6">
-              <a:lumMod val="75000"/>
-            </a:schemeClr>
-          </a:solidFill>
-          <a:ln>
-            <a:noFill/>
-          </a:ln>
-        </p:spPr>
-        <p:style>
-          <a:lnRef idx="2">
-            <a:schemeClr val="accent1">
-              <a:shade val="50000"/>
-            </a:schemeClr>
-          </a:lnRef>
-          <a:fillRef idx="1">
-            <a:schemeClr val="accent1"/>
-          </a:fillRef>
-          <a:effectRef idx="0">
-            <a:schemeClr val="accent1"/>
-          </a:effectRef>
-          <a:fontRef idx="minor">
-            <a:schemeClr val="lt1"/>
-          </a:fontRef>
-        </p:style>
-        <p:txBody>
-          <a:bodyPr rtlCol="0" anchor="ctr"/>
-          <a:lstStyle/>
-          <a:p>
-            <a:pPr algn="ctr"/>
-            <a:endParaRPr lang="en-US">
-              <a:solidFill>
-                <a:srgbClr val="6600FF"/>
-              </a:solidFill>
-            </a:endParaRPr>
-          </a:p>
-        </p:txBody>
-      </p:sp>
-      <p:sp>
-        <p:nvSpPr>
-          <p:cNvPr id="10" name="Rectangle 9"/>
-          <p:cNvSpPr/>
-          <p:nvPr/>
-        </p:nvSpPr>
-        <p:spPr>
-          <a:xfrm>
-            <a:off x="4202058" y="3068960"/>
-            <a:ext cx="864056" cy="360040"/>
-          </a:xfrm>
-          <a:prstGeom prst="rect">
-            <a:avLst/>
-          </a:prstGeom>
-          <a:solidFill>
-            <a:srgbClr val="F9A703"/>
-          </a:solidFill>
-          <a:ln>
-            <a:noFill/>
-          </a:ln>
-        </p:spPr>
-        <p:style>
-          <a:lnRef idx="2">
-            <a:schemeClr val="accent1">
-              <a:shade val="50000"/>
-            </a:schemeClr>
-          </a:lnRef>
-          <a:fillRef idx="1">
-            <a:schemeClr val="accent1"/>
-          </a:fillRef>
-          <a:effectRef idx="0">
-            <a:schemeClr val="accent1"/>
-          </a:effectRef>
-          <a:fontRef idx="minor">
-            <a:schemeClr val="lt1"/>
-          </a:fontRef>
-        </p:style>
-        <p:txBody>
-          <a:bodyPr rtlCol="0" anchor="ctr"/>
-          <a:lstStyle/>
-          <a:p>
-            <a:pPr algn="ctr"/>
-            <a:endParaRPr lang="en-US"/>
-          </a:p>
-        </p:txBody>
-      </p:sp>
-      <p:sp>
-        <p:nvSpPr>
-          <p:cNvPr id="11" name="Rounded Rectangle 10"/>
-          <p:cNvSpPr/>
-          <p:nvPr/>
-        </p:nvSpPr>
-        <p:spPr>
+        </p:nvGrpSpPr>
+        <p:grpSpPr>
           <a:xfrm>
             <a:off x="3745586" y="1844824"/>
-            <a:ext cx="888499" cy="1008112"/>
+            <a:ext cx="1800000" cy="1800000"/>
+            <a:chOff x="3745586" y="1844824"/>
+            <a:chExt cx="1800000" cy="1800000"/>
           </a:xfrm>
-          <a:prstGeom prst="roundRect">
-            <a:avLst/>
-          </a:prstGeom>
-          <a:solidFill>
-            <a:schemeClr val="accent6">
-              <a:lumMod val="75000"/>
-            </a:schemeClr>
-          </a:solidFill>
-          <a:ln>
-            <a:noFill/>
-          </a:ln>
-        </p:spPr>
-        <p:style>
-          <a:lnRef idx="2">
-            <a:schemeClr val="accent1">
-              <a:shade val="50000"/>
-            </a:schemeClr>
-          </a:lnRef>
-          <a:fillRef idx="1">
-            <a:schemeClr val="accent1"/>
-          </a:fillRef>
-          <a:effectRef idx="0">
-            <a:schemeClr val="accent1"/>
-          </a:effectRef>
-          <a:fontRef idx="minor">
-            <a:schemeClr val="lt1"/>
-          </a:fontRef>
-        </p:style>
-        <p:txBody>
-          <a:bodyPr rtlCol="0" anchor="ctr"/>
-          <a:lstStyle/>
-          <a:p>
-            <a:pPr algn="ctr"/>
-            <a:endParaRPr lang="en-US">
-              <a:solidFill>
-                <a:srgbClr val="6600FF"/>
-              </a:solidFill>
-            </a:endParaRPr>
-          </a:p>
-        </p:txBody>
-      </p:sp>
-      <p:sp>
-        <p:nvSpPr>
-          <p:cNvPr id="12" name="Rounded Rectangle 11"/>
-          <p:cNvSpPr/>
-          <p:nvPr/>
-        </p:nvSpPr>
-        <p:spPr>
-          <a:xfrm>
-            <a:off x="4609683" y="1844824"/>
-            <a:ext cx="898421" cy="1008112"/>
-          </a:xfrm>
-          <a:prstGeom prst="roundRect">
-            <a:avLst/>
-          </a:prstGeom>
-          <a:solidFill>
-            <a:srgbClr val="F9A703"/>
-          </a:solidFill>
-          <a:ln>
-            <a:noFill/>
-          </a:ln>
-        </p:spPr>
-        <p:style>
-          <a:lnRef idx="2">
-            <a:schemeClr val="accent1">
-              <a:shade val="50000"/>
-            </a:schemeClr>
-          </a:lnRef>
-          <a:fillRef idx="1">
-            <a:schemeClr val="accent1"/>
-          </a:fillRef>
-          <a:effectRef idx="0">
-            <a:schemeClr val="accent1"/>
-          </a:effectRef>
-          <a:fontRef idx="minor">
-            <a:schemeClr val="lt1"/>
-          </a:fontRef>
-        </p:style>
-        <p:txBody>
-          <a:bodyPr rtlCol="0" anchor="ctr"/>
-          <a:lstStyle/>
-          <a:p>
-            <a:pPr algn="ctr"/>
-            <a:endParaRPr lang="en-US"/>
-          </a:p>
-        </p:txBody>
-      </p:sp>
-      <p:sp>
-        <p:nvSpPr>
-          <p:cNvPr id="13" name="Oval 12"/>
-          <p:cNvSpPr/>
-          <p:nvPr/>
-        </p:nvSpPr>
-        <p:spPr>
-          <a:xfrm>
-            <a:off x="4177635" y="2204864"/>
-            <a:ext cx="144000" cy="144016"/>
-          </a:xfrm>
-          <a:prstGeom prst="ellipse">
-            <a:avLst/>
-          </a:prstGeom>
-          <a:solidFill>
-            <a:srgbClr val="F9A703"/>
-          </a:solidFill>
-          <a:ln>
-            <a:noFill/>
-          </a:ln>
-        </p:spPr>
-        <p:style>
-          <a:lnRef idx="2">
-            <a:schemeClr val="accent1">
-              <a:shade val="50000"/>
-            </a:schemeClr>
-          </a:lnRef>
-          <a:fillRef idx="1">
-            <a:schemeClr val="accent1"/>
-          </a:fillRef>
-          <a:effectRef idx="0">
-            <a:schemeClr val="accent1"/>
-          </a:effectRef>
-          <a:fontRef idx="minor">
-            <a:schemeClr val="lt1"/>
-          </a:fontRef>
-        </p:style>
-        <p:txBody>
-          <a:bodyPr rtlCol="0" anchor="ctr"/>
-          <a:lstStyle/>
-          <a:p>
-            <a:pPr algn="ctr"/>
-            <a:endParaRPr lang="en-US"/>
-          </a:p>
-        </p:txBody>
-      </p:sp>
-      <p:sp>
-        <p:nvSpPr>
-          <p:cNvPr id="14" name="Oval 13"/>
-          <p:cNvSpPr/>
-          <p:nvPr/>
-        </p:nvSpPr>
-        <p:spPr>
-          <a:xfrm>
-            <a:off x="4850288" y="2204864"/>
-            <a:ext cx="144000" cy="144016"/>
-          </a:xfrm>
-          <a:prstGeom prst="ellipse">
-            <a:avLst/>
-          </a:prstGeom>
-          <a:solidFill>
-            <a:schemeClr val="accent6">
-              <a:lumMod val="75000"/>
-            </a:schemeClr>
-          </a:solidFill>
-          <a:ln>
-            <a:noFill/>
-          </a:ln>
-        </p:spPr>
-        <p:style>
-          <a:lnRef idx="2">
-            <a:schemeClr val="accent1">
-              <a:shade val="50000"/>
-            </a:schemeClr>
-          </a:lnRef>
-          <a:fillRef idx="1">
-            <a:schemeClr val="accent1"/>
-          </a:fillRef>
-          <a:effectRef idx="0">
-            <a:schemeClr val="accent1"/>
-          </a:effectRef>
-          <a:fontRef idx="minor">
-            <a:schemeClr val="lt1"/>
-          </a:fontRef>
-        </p:style>
-        <p:txBody>
-          <a:bodyPr rtlCol="0" anchor="ctr"/>
-          <a:lstStyle/>
-          <a:p>
-            <a:pPr algn="ctr"/>
-            <a:endParaRPr lang="en-US">
-              <a:solidFill>
-                <a:srgbClr val="6600FF"/>
-              </a:solidFill>
-            </a:endParaRPr>
-          </a:p>
-        </p:txBody>
-      </p:sp>
-      <p:sp>
-        <p:nvSpPr>
-          <p:cNvPr id="15" name="Moon 14"/>
-          <p:cNvSpPr/>
-          <p:nvPr/>
-        </p:nvSpPr>
-        <p:spPr>
-          <a:xfrm rot="16200000">
-            <a:off x="4393659" y="2070001"/>
-            <a:ext cx="432048" cy="1008112"/>
-          </a:xfrm>
-          <a:prstGeom prst="moon">
-            <a:avLst/>
-          </a:prstGeom>
-          <a:solidFill>
-            <a:schemeClr val="bg1"/>
-          </a:solidFill>
-          <a:ln>
-            <a:noFill/>
-          </a:ln>
-        </p:spPr>
-        <p:style>
-          <a:lnRef idx="2">
-            <a:schemeClr val="accent1">
-              <a:shade val="50000"/>
-            </a:schemeClr>
-          </a:lnRef>
-          <a:fillRef idx="1">
-            <a:schemeClr val="accent1"/>
-          </a:fillRef>
-          <a:effectRef idx="0">
-            <a:schemeClr val="accent1"/>
-          </a:effectRef>
-          <a:fontRef idx="minor">
-            <a:schemeClr val="lt1"/>
-          </a:fontRef>
-        </p:style>
-        <p:txBody>
-          <a:bodyPr rtlCol="0" anchor="ctr"/>
-          <a:lstStyle/>
-          <a:p>
-            <a:pPr algn="ctr"/>
-            <a:endParaRPr lang="en-US"/>
-          </a:p>
-        </p:txBody>
-      </p:sp>
+        </p:grpSpPr>
+        <p:sp>
+          <p:nvSpPr>
+            <p:cNvPr id="5" name="Rectangle 4"/>
+            <p:cNvSpPr/>
+            <p:nvPr/>
+          </p:nvSpPr>
+          <p:spPr>
+            <a:xfrm>
+              <a:off x="3770489" y="2616253"/>
+              <a:ext cx="441236" cy="1028571"/>
+            </a:xfrm>
+            <a:prstGeom prst="rect">
+              <a:avLst/>
+            </a:prstGeom>
+            <a:solidFill>
+              <a:schemeClr val="accent6">
+                <a:lumMod val="75000"/>
+              </a:schemeClr>
+            </a:solidFill>
+            <a:ln>
+              <a:noFill/>
+            </a:ln>
+          </p:spPr>
+          <p:style>
+            <a:lnRef idx="2">
+              <a:schemeClr val="accent1">
+                <a:shade val="50000"/>
+              </a:schemeClr>
+            </a:lnRef>
+            <a:fillRef idx="1">
+              <a:schemeClr val="accent1"/>
+            </a:fillRef>
+            <a:effectRef idx="0">
+              <a:schemeClr val="accent1"/>
+            </a:effectRef>
+            <a:fontRef idx="minor">
+              <a:schemeClr val="lt1"/>
+            </a:fontRef>
+          </p:style>
+          <p:txBody>
+            <a:bodyPr rtlCol="0" anchor="ctr"/>
+            <a:lstStyle/>
+            <a:p>
+              <a:pPr algn="ctr"/>
+              <a:endParaRPr lang="en-US">
+                <a:solidFill>
+                  <a:srgbClr val="6600FF"/>
+                </a:solidFill>
+              </a:endParaRPr>
+            </a:p>
+          </p:txBody>
+        </p:sp>
+        <p:sp>
+          <p:nvSpPr>
+            <p:cNvPr id="6" name="Rectangle 5"/>
+            <p:cNvSpPr/>
+            <p:nvPr/>
+          </p:nvSpPr>
+          <p:spPr>
+            <a:xfrm>
+              <a:off x="5094197" y="2616253"/>
+              <a:ext cx="441236" cy="1028571"/>
+            </a:xfrm>
+            <a:prstGeom prst="rect">
+              <a:avLst/>
+            </a:prstGeom>
+            <a:solidFill>
+              <a:srgbClr val="F9A703"/>
+            </a:solidFill>
+            <a:ln>
+              <a:noFill/>
+            </a:ln>
+          </p:spPr>
+          <p:style>
+            <a:lnRef idx="2">
+              <a:schemeClr val="accent1">
+                <a:shade val="50000"/>
+              </a:schemeClr>
+            </a:lnRef>
+            <a:fillRef idx="1">
+              <a:schemeClr val="accent1"/>
+            </a:fillRef>
+            <a:effectRef idx="0">
+              <a:schemeClr val="accent1"/>
+            </a:effectRef>
+            <a:fontRef idx="minor">
+              <a:schemeClr val="lt1"/>
+            </a:fontRef>
+          </p:style>
+          <p:txBody>
+            <a:bodyPr rtlCol="0" anchor="ctr"/>
+            <a:lstStyle/>
+            <a:p>
+              <a:pPr algn="ctr"/>
+              <a:endParaRPr lang="en-US"/>
+            </a:p>
+          </p:txBody>
+        </p:sp>
+        <p:sp>
+          <p:nvSpPr>
+            <p:cNvPr id="7" name="Rectangle 6"/>
+            <p:cNvSpPr/>
+            <p:nvPr/>
+          </p:nvSpPr>
+          <p:spPr>
+            <a:xfrm>
+              <a:off x="4211765" y="3233395"/>
+              <a:ext cx="882431" cy="257143"/>
+            </a:xfrm>
+            <a:prstGeom prst="rect">
+              <a:avLst/>
+            </a:prstGeom>
+            <a:solidFill>
+              <a:schemeClr val="accent6">
+                <a:lumMod val="75000"/>
+              </a:schemeClr>
+            </a:solidFill>
+            <a:ln>
+              <a:noFill/>
+            </a:ln>
+          </p:spPr>
+          <p:style>
+            <a:lnRef idx="2">
+              <a:schemeClr val="accent1">
+                <a:shade val="50000"/>
+              </a:schemeClr>
+            </a:lnRef>
+            <a:fillRef idx="1">
+              <a:schemeClr val="accent1"/>
+            </a:fillRef>
+            <a:effectRef idx="0">
+              <a:schemeClr val="accent1"/>
+            </a:effectRef>
+            <a:fontRef idx="minor">
+              <a:schemeClr val="lt1"/>
+            </a:fontRef>
+          </p:style>
+          <p:txBody>
+            <a:bodyPr rtlCol="0" anchor="ctr"/>
+            <a:lstStyle/>
+            <a:p>
+              <a:pPr algn="ctr"/>
+              <a:endParaRPr lang="en-US">
+                <a:solidFill>
+                  <a:srgbClr val="6600FF"/>
+                </a:solidFill>
+              </a:endParaRPr>
+            </a:p>
+          </p:txBody>
+        </p:sp>
+        <p:sp>
+          <p:nvSpPr>
+            <p:cNvPr id="8" name="Rectangle 7"/>
+            <p:cNvSpPr/>
+            <p:nvPr/>
+          </p:nvSpPr>
+          <p:spPr>
+            <a:xfrm>
+              <a:off x="4211765" y="2976253"/>
+              <a:ext cx="441215" cy="257143"/>
+            </a:xfrm>
+            <a:prstGeom prst="rect">
+              <a:avLst/>
+            </a:prstGeom>
+            <a:solidFill>
+              <a:srgbClr val="F9A703"/>
+            </a:solidFill>
+            <a:ln>
+              <a:noFill/>
+            </a:ln>
+          </p:spPr>
+          <p:style>
+            <a:lnRef idx="2">
+              <a:schemeClr val="accent1">
+                <a:shade val="50000"/>
+              </a:schemeClr>
+            </a:lnRef>
+            <a:fillRef idx="1">
+              <a:schemeClr val="accent1"/>
+            </a:fillRef>
+            <a:effectRef idx="0">
+              <a:schemeClr val="accent1"/>
+            </a:effectRef>
+            <a:fontRef idx="minor">
+              <a:schemeClr val="lt1"/>
+            </a:fontRef>
+          </p:style>
+          <p:txBody>
+            <a:bodyPr rtlCol="0" anchor="ctr"/>
+            <a:lstStyle/>
+            <a:p>
+              <a:pPr algn="ctr"/>
+              <a:endParaRPr lang="en-US"/>
+            </a:p>
+          </p:txBody>
+        </p:sp>
+        <p:sp>
+          <p:nvSpPr>
+            <p:cNvPr id="9" name="Rectangle 8"/>
+            <p:cNvSpPr/>
+            <p:nvPr/>
+          </p:nvSpPr>
+          <p:spPr>
+            <a:xfrm>
+              <a:off x="4628059" y="2976253"/>
+              <a:ext cx="466138" cy="257143"/>
+            </a:xfrm>
+            <a:prstGeom prst="rect">
+              <a:avLst/>
+            </a:prstGeom>
+            <a:solidFill>
+              <a:schemeClr val="accent6">
+                <a:lumMod val="75000"/>
+              </a:schemeClr>
+            </a:solidFill>
+            <a:ln>
+              <a:noFill/>
+            </a:ln>
+          </p:spPr>
+          <p:style>
+            <a:lnRef idx="2">
+              <a:schemeClr val="accent1">
+                <a:shade val="50000"/>
+              </a:schemeClr>
+            </a:lnRef>
+            <a:fillRef idx="1">
+              <a:schemeClr val="accent1"/>
+            </a:fillRef>
+            <a:effectRef idx="0">
+              <a:schemeClr val="accent1"/>
+            </a:effectRef>
+            <a:fontRef idx="minor">
+              <a:schemeClr val="lt1"/>
+            </a:fontRef>
+          </p:style>
+          <p:txBody>
+            <a:bodyPr rtlCol="0" anchor="ctr"/>
+            <a:lstStyle/>
+            <a:p>
+              <a:pPr algn="ctr"/>
+              <a:endParaRPr lang="en-US">
+                <a:solidFill>
+                  <a:srgbClr val="6600FF"/>
+                </a:solidFill>
+              </a:endParaRPr>
+            </a:p>
+          </p:txBody>
+        </p:sp>
+        <p:sp>
+          <p:nvSpPr>
+            <p:cNvPr id="10" name="Rectangle 9"/>
+            <p:cNvSpPr/>
+            <p:nvPr/>
+          </p:nvSpPr>
+          <p:spPr>
+            <a:xfrm>
+              <a:off x="4211765" y="2719110"/>
+              <a:ext cx="882431" cy="257143"/>
+            </a:xfrm>
+            <a:prstGeom prst="rect">
+              <a:avLst/>
+            </a:prstGeom>
+            <a:solidFill>
+              <a:srgbClr val="F9A703"/>
+            </a:solidFill>
+            <a:ln>
+              <a:noFill/>
+            </a:ln>
+          </p:spPr>
+          <p:style>
+            <a:lnRef idx="2">
+              <a:schemeClr val="accent1">
+                <a:shade val="50000"/>
+              </a:schemeClr>
+            </a:lnRef>
+            <a:fillRef idx="1">
+              <a:schemeClr val="accent1"/>
+            </a:fillRef>
+            <a:effectRef idx="0">
+              <a:schemeClr val="accent1"/>
+            </a:effectRef>
+            <a:fontRef idx="minor">
+              <a:schemeClr val="lt1"/>
+            </a:fontRef>
+          </p:style>
+          <p:txBody>
+            <a:bodyPr rtlCol="0" anchor="ctr"/>
+            <a:lstStyle/>
+            <a:p>
+              <a:pPr algn="ctr"/>
+              <a:endParaRPr lang="en-US"/>
+            </a:p>
+          </p:txBody>
+        </p:sp>
+        <p:sp>
+          <p:nvSpPr>
+            <p:cNvPr id="11" name="Rounded Rectangle 10"/>
+            <p:cNvSpPr/>
+            <p:nvPr/>
+          </p:nvSpPr>
+          <p:spPr>
+            <a:xfrm>
+              <a:off x="3745586" y="1844824"/>
+              <a:ext cx="907394" cy="720000"/>
+            </a:xfrm>
+            <a:prstGeom prst="roundRect">
+              <a:avLst/>
+            </a:prstGeom>
+            <a:solidFill>
+              <a:schemeClr val="accent6">
+                <a:lumMod val="75000"/>
+              </a:schemeClr>
+            </a:solidFill>
+            <a:ln>
+              <a:noFill/>
+            </a:ln>
+          </p:spPr>
+          <p:style>
+            <a:lnRef idx="2">
+              <a:schemeClr val="accent1">
+                <a:shade val="50000"/>
+              </a:schemeClr>
+            </a:lnRef>
+            <a:fillRef idx="1">
+              <a:schemeClr val="accent1"/>
+            </a:fillRef>
+            <a:effectRef idx="0">
+              <a:schemeClr val="accent1"/>
+            </a:effectRef>
+            <a:fontRef idx="minor">
+              <a:schemeClr val="lt1"/>
+            </a:fontRef>
+          </p:style>
+          <p:txBody>
+            <a:bodyPr rtlCol="0" anchor="ctr"/>
+            <a:lstStyle/>
+            <a:p>
+              <a:pPr algn="ctr"/>
+              <a:endParaRPr lang="en-US">
+                <a:solidFill>
+                  <a:srgbClr val="6600FF"/>
+                </a:solidFill>
+              </a:endParaRPr>
+            </a:p>
+          </p:txBody>
+        </p:sp>
+        <p:sp>
+          <p:nvSpPr>
+            <p:cNvPr id="12" name="Rounded Rectangle 11"/>
+            <p:cNvSpPr/>
+            <p:nvPr/>
+          </p:nvSpPr>
+          <p:spPr>
+            <a:xfrm>
+              <a:off x="4628059" y="1844824"/>
+              <a:ext cx="917527" cy="720000"/>
+            </a:xfrm>
+            <a:prstGeom prst="roundRect">
+              <a:avLst/>
+            </a:prstGeom>
+            <a:solidFill>
+              <a:srgbClr val="F9A703"/>
+            </a:solidFill>
+            <a:ln>
+              <a:noFill/>
+            </a:ln>
+          </p:spPr>
+          <p:style>
+            <a:lnRef idx="2">
+              <a:schemeClr val="accent1">
+                <a:shade val="50000"/>
+              </a:schemeClr>
+            </a:lnRef>
+            <a:fillRef idx="1">
+              <a:schemeClr val="accent1"/>
+            </a:fillRef>
+            <a:effectRef idx="0">
+              <a:schemeClr val="accent1"/>
+            </a:effectRef>
+            <a:fontRef idx="minor">
+              <a:schemeClr val="lt1"/>
+            </a:fontRef>
+          </p:style>
+          <p:txBody>
+            <a:bodyPr rtlCol="0" anchor="ctr"/>
+            <a:lstStyle/>
+            <a:p>
+              <a:pPr algn="ctr"/>
+              <a:endParaRPr lang="en-US"/>
+            </a:p>
+          </p:txBody>
+        </p:sp>
+        <p:sp>
+          <p:nvSpPr>
+            <p:cNvPr id="13" name="Oval 12"/>
+            <p:cNvSpPr/>
+            <p:nvPr/>
+          </p:nvSpPr>
+          <p:spPr>
+            <a:xfrm>
+              <a:off x="4283968" y="2101967"/>
+              <a:ext cx="104400" cy="102857"/>
+            </a:xfrm>
+            <a:prstGeom prst="ellipse">
+              <a:avLst/>
+            </a:prstGeom>
+            <a:solidFill>
+              <a:srgbClr val="F9A703"/>
+            </a:solidFill>
+            <a:ln>
+              <a:noFill/>
+            </a:ln>
+          </p:spPr>
+          <p:style>
+            <a:lnRef idx="2">
+              <a:schemeClr val="accent1">
+                <a:shade val="50000"/>
+              </a:schemeClr>
+            </a:lnRef>
+            <a:fillRef idx="1">
+              <a:schemeClr val="accent1"/>
+            </a:fillRef>
+            <a:effectRef idx="0">
+              <a:schemeClr val="accent1"/>
+            </a:effectRef>
+            <a:fontRef idx="minor">
+              <a:schemeClr val="lt1"/>
+            </a:fontRef>
+          </p:style>
+          <p:txBody>
+            <a:bodyPr rtlCol="0" anchor="ctr"/>
+            <a:lstStyle/>
+            <a:p>
+              <a:pPr algn="ctr"/>
+              <a:endParaRPr lang="en-US"/>
+            </a:p>
+          </p:txBody>
+        </p:sp>
+        <p:sp>
+          <p:nvSpPr>
+            <p:cNvPr id="14" name="Oval 13"/>
+            <p:cNvSpPr/>
+            <p:nvPr/>
+          </p:nvSpPr>
+          <p:spPr>
+            <a:xfrm>
+              <a:off x="4873781" y="2101967"/>
+              <a:ext cx="104400" cy="102857"/>
+            </a:xfrm>
+            <a:prstGeom prst="ellipse">
+              <a:avLst/>
+            </a:prstGeom>
+            <a:solidFill>
+              <a:schemeClr val="accent6">
+                <a:lumMod val="75000"/>
+              </a:schemeClr>
+            </a:solidFill>
+            <a:ln>
+              <a:noFill/>
+            </a:ln>
+          </p:spPr>
+          <p:style>
+            <a:lnRef idx="2">
+              <a:schemeClr val="accent1">
+                <a:shade val="50000"/>
+              </a:schemeClr>
+            </a:lnRef>
+            <a:fillRef idx="1">
+              <a:schemeClr val="accent1"/>
+            </a:fillRef>
+            <a:effectRef idx="0">
+              <a:schemeClr val="accent1"/>
+            </a:effectRef>
+            <a:fontRef idx="minor">
+              <a:schemeClr val="lt1"/>
+            </a:fontRef>
+          </p:style>
+          <p:txBody>
+            <a:bodyPr rtlCol="0" anchor="ctr"/>
+            <a:lstStyle/>
+            <a:p>
+              <a:pPr algn="ctr"/>
+              <a:endParaRPr lang="en-US">
+                <a:solidFill>
+                  <a:srgbClr val="6600FF"/>
+                </a:solidFill>
+              </a:endParaRPr>
+            </a:p>
+          </p:txBody>
+        </p:sp>
+        <p:sp>
+          <p:nvSpPr>
+            <p:cNvPr id="15" name="Moon 14"/>
+            <p:cNvSpPr/>
+            <p:nvPr/>
+          </p:nvSpPr>
+          <p:spPr>
+            <a:xfrm rot="16200000">
+              <a:off x="4473773" y="1850872"/>
+              <a:ext cx="308571" cy="1029551"/>
+            </a:xfrm>
+            <a:prstGeom prst="moon">
+              <a:avLst/>
+            </a:prstGeom>
+            <a:solidFill>
+              <a:schemeClr val="bg1"/>
+            </a:solidFill>
+            <a:ln>
+              <a:noFill/>
+            </a:ln>
+          </p:spPr>
+          <p:style>
+            <a:lnRef idx="2">
+              <a:schemeClr val="accent1">
+                <a:shade val="50000"/>
+              </a:schemeClr>
+            </a:lnRef>
+            <a:fillRef idx="1">
+              <a:schemeClr val="accent1"/>
+            </a:fillRef>
+            <a:effectRef idx="0">
+              <a:schemeClr val="accent1"/>
+            </a:effectRef>
+            <a:fontRef idx="minor">
+              <a:schemeClr val="lt1"/>
+            </a:fontRef>
+          </p:style>
+          <p:txBody>
+            <a:bodyPr rtlCol="0" anchor="ctr"/>
+            <a:lstStyle/>
+            <a:p>
+              <a:pPr algn="ctr"/>
+              <a:endParaRPr lang="en-US"/>
+            </a:p>
+          </p:txBody>
+        </p:sp>
+      </p:grpSp>
     </p:spTree>
     <p:extLst>
       <p:ext uri="{BB962C8B-B14F-4D97-AF65-F5344CB8AC3E}">
